--- a/sse/postfix/mailfilter-pt2.pptx
+++ b/sse/postfix/mailfilter-pt2.pptx
@@ -17,9 +17,6 @@
     <p:sldId id="265" r:id="rId11"/>
     <p:sldId id="266" r:id="rId12"/>
     <p:sldId id="267" r:id="rId13"/>
-    <p:sldId id="268" r:id="rId14"/>
-    <p:sldId id="269" r:id="rId15"/>
-    <p:sldId id="270" r:id="rId16"/>
   </p:sldIdLst>
   <p:sldSz cx="9144000" cy="6858000" type="screen4x3"/>
   <p:notesSz cx="6858000" cy="9144000"/>
@@ -3125,14 +3122,14 @@
           <a:lstStyle/>
           <a:p>
             <a:r>
-              <a:rPr lang="en-US" dirty="0" err="1" smtClean="0"/>
+              <a:rPr lang="en-US" b="1" dirty="0" err="1" smtClean="0"/>
               <a:t>MailScanner</a:t>
             </a:r>
             <a:r>
-              <a:rPr lang="en-US" dirty="0" smtClean="0"/>
+              <a:rPr lang="en-US" b="1" dirty="0" smtClean="0"/>
               <a:t> Installation</a:t>
             </a:r>
-            <a:endParaRPr lang="en-US" dirty="0"/>
+            <a:endParaRPr lang="en-US" b="1" dirty="0"/>
           </a:p>
         </p:txBody>
       </p:sp>
@@ -3152,10 +3149,10 @@
           <a:lstStyle/>
           <a:p>
             <a:r>
-              <a:rPr lang="en-US" smtClean="0"/>
+              <a:rPr lang="en-US" b="1" dirty="0" smtClean="0"/>
               <a:t>Part 2</a:t>
             </a:r>
-            <a:endParaRPr lang="en-US"/>
+            <a:endParaRPr lang="en-US" b="1" dirty="0"/>
           </a:p>
         </p:txBody>
       </p:sp>
@@ -3204,7 +3201,11 @@
           <a:bodyPr/>
           <a:lstStyle/>
           <a:p>
-            <a:endParaRPr lang="en-US"/>
+            <a:r>
+              <a:rPr lang="en-US" b="1" dirty="0" smtClean="0"/>
+              <a:t>Enter your PC Name</a:t>
+            </a:r>
+            <a:endParaRPr lang="en-US" b="1" dirty="0"/>
           </a:p>
         </p:txBody>
       </p:sp>
@@ -3284,35 +3285,46 @@
           <a:lstStyle/>
           <a:p>
             <a:r>
+              <a:rPr lang="en-US" b="1" dirty="0" smtClean="0"/>
+              <a:t>Install the MySQL Database</a:t>
+            </a:r>
+            <a:endParaRPr lang="en-US" b="1" dirty="0"/>
+          </a:p>
+        </p:txBody>
+      </p:sp>
+      <p:sp>
+        <p:nvSpPr>
+          <p:cNvPr id="3" name="Content Placeholder 2"/>
+          <p:cNvSpPr>
+            <a:spLocks noGrp="1"/>
+          </p:cNvSpPr>
+          <p:nvPr>
+            <p:ph idx="1"/>
+          </p:nvPr>
+        </p:nvSpPr>
+        <p:spPr/>
+        <p:txBody>
+          <a:bodyPr/>
+          <a:lstStyle/>
+          <a:p>
+            <a:pPr marL="0" indent="0">
+              <a:buNone/>
+            </a:pPr>
+            <a:r>
               <a:rPr lang="en-US" dirty="0" smtClean="0"/>
-              <a:t>Install the MySQL Database</a:t>
-            </a:r>
-            <a:endParaRPr lang="en-US" dirty="0"/>
-          </a:p>
-        </p:txBody>
-      </p:sp>
-      <p:sp>
-        <p:nvSpPr>
-          <p:cNvPr id="3" name="Content Placeholder 2"/>
-          <p:cNvSpPr>
-            <a:spLocks noGrp="1"/>
-          </p:cNvSpPr>
-          <p:nvPr>
-            <p:ph idx="1"/>
-          </p:nvPr>
-        </p:nvSpPr>
-        <p:spPr/>
-        <p:txBody>
-          <a:bodyPr/>
-          <a:lstStyle/>
-          <a:p>
-            <a:r>
-              <a:rPr lang="en-US" dirty="0" err="1"/>
+              <a:t>$</a:t>
+            </a:r>
+            <a:r>
+              <a:rPr lang="en-US" dirty="0" err="1" smtClean="0"/>
               <a:t>sudo</a:t>
             </a:r>
             <a:r>
+              <a:rPr lang="en-US" dirty="0" smtClean="0"/>
+              <a:t> </a:t>
+            </a:r>
+            <a:r>
               <a:rPr lang="en-US" dirty="0"/>
-              <a:t> apt-get </a:t>
+              <a:t>apt-get </a:t>
             </a:r>
             <a:r>
               <a:rPr lang="en-US" dirty="0" err="1" smtClean="0"/>
@@ -3334,7 +3346,23 @@
               <a:rPr lang="en-US" dirty="0" smtClean="0"/>
               <a:t>mysql</a:t>
             </a:r>
+          </a:p>
+          <a:p>
             <a:endParaRPr lang="en-US" dirty="0"/>
+          </a:p>
+          <a:p>
+            <a:pPr marL="0" indent="0">
+              <a:buNone/>
+            </a:pPr>
+            <a:r>
+              <a:rPr lang="en-US" dirty="0" smtClean="0"/>
+              <a:t>When prompted for the root password enter </a:t>
+            </a:r>
+            <a:r>
+              <a:rPr lang="en-US" b="1" i="1" dirty="0" err="1" smtClean="0"/>
+              <a:t>afnog</a:t>
+            </a:r>
+            <a:endParaRPr lang="en-US" b="1" dirty="0"/>
           </a:p>
         </p:txBody>
       </p:sp>
@@ -3386,18 +3414,18 @@
           <a:lstStyle/>
           <a:p>
             <a:r>
-              <a:rPr lang="en-US" dirty="0" smtClean="0"/>
+              <a:rPr lang="en-US" b="1" dirty="0" smtClean="0"/>
               <a:t>Enter </a:t>
             </a:r>
             <a:r>
-              <a:rPr lang="en-US" i="1" dirty="0" err="1" smtClean="0"/>
+              <a:rPr lang="en-US" b="1" i="1" dirty="0" err="1" smtClean="0"/>
               <a:t>afnog</a:t>
             </a:r>
             <a:r>
-              <a:rPr lang="en-US" dirty="0" smtClean="0"/>
+              <a:rPr lang="en-US" b="1" dirty="0" smtClean="0"/>
               <a:t> as the MySQL Password</a:t>
             </a:r>
-            <a:endParaRPr lang="en-US" dirty="0"/>
+            <a:endParaRPr lang="en-US" b="1" dirty="0"/>
           </a:p>
         </p:txBody>
       </p:sp>
@@ -3474,759 +3502,6 @@
 </p:sld>
 </file>
 
-<file path=ppt/slides/slide13.xml><?xml version="1.0" encoding="utf-8"?>
-<p:sld xmlns:a="http://schemas.openxmlformats.org/drawingml/2006/main" xmlns:r="http://schemas.openxmlformats.org/officeDocument/2006/relationships" xmlns:p="http://schemas.openxmlformats.org/presentationml/2006/main">
-  <p:cSld>
-    <p:spTree>
-      <p:nvGrpSpPr>
-        <p:cNvPr id="1" name=""/>
-        <p:cNvGrpSpPr/>
-        <p:nvPr/>
-      </p:nvGrpSpPr>
-      <p:grpSpPr>
-        <a:xfrm>
-          <a:off x="0" y="0"/>
-          <a:ext cx="0" cy="0"/>
-          <a:chOff x="0" y="0"/>
-          <a:chExt cx="0" cy="0"/>
-        </a:xfrm>
-      </p:grpSpPr>
-      <p:sp>
-        <p:nvSpPr>
-          <p:cNvPr id="2" name="Title 1"/>
-          <p:cNvSpPr>
-            <a:spLocks noGrp="1"/>
-          </p:cNvSpPr>
-          <p:nvPr>
-            <p:ph type="title"/>
-          </p:nvPr>
-        </p:nvSpPr>
-        <p:spPr/>
-        <p:txBody>
-          <a:bodyPr>
-            <a:normAutofit fontScale="90000"/>
-          </a:bodyPr>
-          <a:lstStyle/>
-          <a:p>
-            <a:r>
-              <a:rPr lang="en-US" dirty="0" smtClean="0"/>
-              <a:t>Install </a:t>
-            </a:r>
-            <a:r>
-              <a:rPr lang="en-US" dirty="0" err="1" smtClean="0"/>
-              <a:t>MailWatch</a:t>
-            </a:r>
-            <a:r>
-              <a:rPr lang="en-US" dirty="0" smtClean="0"/>
-              <a:t> (Fronted for </a:t>
-            </a:r>
-            <a:r>
-              <a:rPr lang="en-US" dirty="0" err="1" smtClean="0"/>
-              <a:t>Mailscanner</a:t>
-            </a:r>
-            <a:r>
-              <a:rPr lang="en-US" dirty="0" smtClean="0"/>
-              <a:t>)</a:t>
-            </a:r>
-            <a:endParaRPr lang="en-US" dirty="0"/>
-          </a:p>
-        </p:txBody>
-      </p:sp>
-      <p:sp>
-        <p:nvSpPr>
-          <p:cNvPr id="3" name="Content Placeholder 2"/>
-          <p:cNvSpPr>
-            <a:spLocks noGrp="1"/>
-          </p:cNvSpPr>
-          <p:nvPr>
-            <p:ph idx="1"/>
-          </p:nvPr>
-        </p:nvSpPr>
-        <p:spPr/>
-        <p:txBody>
-          <a:bodyPr/>
-          <a:lstStyle/>
-          <a:p>
-            <a:pPr marL="0" indent="0">
-              <a:buNone/>
-            </a:pPr>
-            <a:r>
-              <a:rPr lang="en-US" dirty="0" smtClean="0"/>
-              <a:t>$cd /home/</a:t>
-            </a:r>
-            <a:r>
-              <a:rPr lang="en-US" dirty="0" err="1" smtClean="0"/>
-              <a:t>afnog</a:t>
-            </a:r>
-            <a:endParaRPr lang="en-US" dirty="0" smtClean="0"/>
-          </a:p>
-          <a:p>
-            <a:pPr marL="0" indent="0">
-              <a:buNone/>
-            </a:pPr>
-            <a:r>
-              <a:rPr lang="en-US" dirty="0" smtClean="0"/>
-              <a:t>$</a:t>
-            </a:r>
-            <a:r>
-              <a:rPr lang="en-US" dirty="0" err="1" smtClean="0"/>
-              <a:t>wget</a:t>
-            </a:r>
-            <a:r>
-              <a:rPr lang="en-US" dirty="0" smtClean="0"/>
-              <a:t> </a:t>
-            </a:r>
-            <a:r>
-              <a:rPr lang="en-US" dirty="0" smtClean="0">
-                <a:hlinkClick r:id="rId2"/>
-              </a:rPr>
-              <a:t>http://197.4.11.139/1.2.0-mailwatch.zip</a:t>
-            </a:r>
-            <a:endParaRPr lang="en-US" dirty="0" smtClean="0"/>
-          </a:p>
-          <a:p>
-            <a:pPr marL="0" indent="0">
-              <a:buNone/>
-            </a:pPr>
-            <a:r>
-              <a:rPr lang="en-US" dirty="0" smtClean="0"/>
-              <a:t>$unzip 1.2.0-mailwatch.zip</a:t>
-            </a:r>
-          </a:p>
-          <a:p>
-            <a:pPr marL="0" indent="0">
-              <a:buNone/>
-            </a:pPr>
-            <a:r>
-              <a:rPr lang="en-US" dirty="0" smtClean="0"/>
-              <a:t>$cd 1.2.0-mailwatch</a:t>
-            </a:r>
-          </a:p>
-          <a:p>
-            <a:pPr marL="0" indent="0">
-              <a:buNone/>
-            </a:pPr>
-            <a:r>
-              <a:rPr lang="en-US" dirty="0" smtClean="0"/>
-              <a:t>$</a:t>
-            </a:r>
-            <a:r>
-              <a:rPr lang="en-US" dirty="0" err="1" smtClean="0"/>
-              <a:t>mysql</a:t>
-            </a:r>
-            <a:r>
-              <a:rPr lang="en-US" dirty="0" smtClean="0"/>
-              <a:t> –u root –p &lt; </a:t>
-            </a:r>
-            <a:r>
-              <a:rPr lang="en-US" dirty="0" err="1" smtClean="0"/>
-              <a:t>create.sql</a:t>
-            </a:r>
-            <a:r>
-              <a:rPr lang="en-US" dirty="0" smtClean="0"/>
-              <a:t/>
-            </a:r>
-            <a:br>
-              <a:rPr lang="en-US" dirty="0" smtClean="0"/>
-            </a:br>
-            <a:r>
-              <a:rPr lang="en-US" dirty="0" smtClean="0"/>
-              <a:t/>
-            </a:r>
-            <a:br>
-              <a:rPr lang="en-US" dirty="0" smtClean="0"/>
-            </a:br>
-            <a:r>
-              <a:rPr lang="en-US" dirty="0" smtClean="0"/>
-              <a:t>The password is </a:t>
-            </a:r>
-            <a:r>
-              <a:rPr lang="en-US" i="1" dirty="0" err="1" smtClean="0"/>
-              <a:t>afnog</a:t>
-            </a:r>
-            <a:r>
-              <a:rPr lang="en-US" dirty="0" smtClean="0"/>
-              <a:t> </a:t>
-            </a:r>
-          </a:p>
-          <a:p>
-            <a:pPr marL="0" indent="0">
-              <a:buNone/>
-            </a:pPr>
-            <a:endParaRPr lang="en-US" dirty="0"/>
-          </a:p>
-        </p:txBody>
-      </p:sp>
-    </p:spTree>
-    <p:extLst>
-      <p:ext uri="{BB962C8B-B14F-4D97-AF65-F5344CB8AC3E}">
-        <p14:creationId xmlns:p14="http://schemas.microsoft.com/office/powerpoint/2010/main" val="3345999718"/>
-      </p:ext>
-    </p:extLst>
-  </p:cSld>
-  <p:clrMapOvr>
-    <a:masterClrMapping/>
-  </p:clrMapOvr>
-</p:sld>
-</file>
-
-<file path=ppt/slides/slide14.xml><?xml version="1.0" encoding="utf-8"?>
-<p:sld xmlns:a="http://schemas.openxmlformats.org/drawingml/2006/main" xmlns:r="http://schemas.openxmlformats.org/officeDocument/2006/relationships" xmlns:p="http://schemas.openxmlformats.org/presentationml/2006/main">
-  <p:cSld>
-    <p:spTree>
-      <p:nvGrpSpPr>
-        <p:cNvPr id="1" name=""/>
-        <p:cNvGrpSpPr/>
-        <p:nvPr/>
-      </p:nvGrpSpPr>
-      <p:grpSpPr>
-        <a:xfrm>
-          <a:off x="0" y="0"/>
-          <a:ext cx="0" cy="0"/>
-          <a:chOff x="0" y="0"/>
-          <a:chExt cx="0" cy="0"/>
-        </a:xfrm>
-      </p:grpSpPr>
-      <p:sp>
-        <p:nvSpPr>
-          <p:cNvPr id="2" name="Title 1"/>
-          <p:cNvSpPr>
-            <a:spLocks noGrp="1"/>
-          </p:cNvSpPr>
-          <p:nvPr>
-            <p:ph type="title"/>
-          </p:nvPr>
-        </p:nvSpPr>
-        <p:spPr/>
-        <p:txBody>
-          <a:bodyPr/>
-          <a:lstStyle/>
-          <a:p>
-            <a:r>
-              <a:rPr lang="en-US" dirty="0" smtClean="0"/>
-              <a:t>Configure MySQL</a:t>
-            </a:r>
-            <a:endParaRPr lang="en-US" dirty="0"/>
-          </a:p>
-        </p:txBody>
-      </p:sp>
-      <p:sp>
-        <p:nvSpPr>
-          <p:cNvPr id="3" name="Content Placeholder 2"/>
-          <p:cNvSpPr>
-            <a:spLocks noGrp="1"/>
-          </p:cNvSpPr>
-          <p:nvPr>
-            <p:ph idx="1"/>
-          </p:nvPr>
-        </p:nvSpPr>
-        <p:spPr>
-          <a:xfrm>
-            <a:off x="262769" y="1600200"/>
-            <a:ext cx="8758970" cy="4525963"/>
-          </a:xfrm>
-        </p:spPr>
-        <p:txBody>
-          <a:bodyPr>
-            <a:normAutofit lnSpcReduction="10000"/>
-          </a:bodyPr>
-          <a:lstStyle/>
-          <a:p>
-            <a:pPr marL="0" indent="0">
-              <a:buNone/>
-            </a:pPr>
-            <a:r>
-              <a:rPr lang="en-US" dirty="0" smtClean="0"/>
-              <a:t>$</a:t>
-            </a:r>
-            <a:r>
-              <a:rPr lang="en-US" dirty="0" err="1" smtClean="0"/>
-              <a:t>mysql</a:t>
-            </a:r>
-            <a:r>
-              <a:rPr lang="en-US" dirty="0" smtClean="0"/>
-              <a:t> –u root –p</a:t>
-            </a:r>
-          </a:p>
-          <a:p>
-            <a:pPr marL="0" indent="0">
-              <a:buNone/>
-            </a:pPr>
-            <a:r>
-              <a:rPr lang="en-US" sz="2400" dirty="0" err="1">
-                <a:solidFill>
-                  <a:srgbClr val="FF0000"/>
-                </a:solidFill>
-              </a:rPr>
-              <a:t>m</a:t>
-            </a:r>
-            <a:r>
-              <a:rPr lang="en-US" sz="2400" dirty="0" err="1" smtClean="0">
-                <a:solidFill>
-                  <a:srgbClr val="FF0000"/>
-                </a:solidFill>
-              </a:rPr>
-              <a:t>ysql</a:t>
-            </a:r>
-            <a:r>
-              <a:rPr lang="en-US" sz="2400" dirty="0" smtClean="0">
-                <a:solidFill>
-                  <a:srgbClr val="FF0000"/>
-                </a:solidFill>
-              </a:rPr>
-              <a:t>&gt;</a:t>
-            </a:r>
-            <a:r>
-              <a:rPr lang="en-US" sz="2400" dirty="0" smtClean="0"/>
-              <a:t>GRANT </a:t>
-            </a:r>
-            <a:r>
-              <a:rPr lang="en-US" sz="2400" dirty="0"/>
-              <a:t>ALL ON </a:t>
-            </a:r>
-            <a:r>
-              <a:rPr lang="en-US" sz="2400" dirty="0" err="1"/>
-              <a:t>mailscanner</a:t>
-            </a:r>
-            <a:r>
-              <a:rPr lang="en-US" sz="2400" dirty="0"/>
-              <a:t>.* TO </a:t>
-            </a:r>
-            <a:r>
-              <a:rPr lang="en-US" sz="2400" dirty="0" err="1" smtClean="0"/>
-              <a:t>mailwatch@</a:t>
-            </a:r>
-            <a:r>
-              <a:rPr lang="en-US" sz="2400" dirty="0" err="1"/>
-              <a:t>localhost</a:t>
-            </a:r>
-            <a:r>
-              <a:rPr lang="en-US" sz="2400" dirty="0"/>
-              <a:t> IDENTIFIED BY '</a:t>
-            </a:r>
-            <a:r>
-              <a:rPr lang="en-US" sz="2400" dirty="0" err="1"/>
-              <a:t>afnog</a:t>
-            </a:r>
-            <a:r>
-              <a:rPr lang="en-US" sz="2400" dirty="0"/>
-              <a:t>'</a:t>
-            </a:r>
-            <a:r>
-              <a:rPr lang="en-US" sz="2400" dirty="0" smtClean="0"/>
-              <a:t>;</a:t>
-            </a:r>
-          </a:p>
-          <a:p>
-            <a:pPr marL="0" indent="0">
-              <a:buNone/>
-            </a:pPr>
-            <a:r>
-              <a:rPr lang="en-US" sz="2400" i="1" dirty="0" smtClean="0"/>
-              <a:t>(All on one line)</a:t>
-            </a:r>
-          </a:p>
-          <a:p>
-            <a:pPr marL="0" indent="0">
-              <a:buNone/>
-            </a:pPr>
-            <a:r>
-              <a:rPr lang="en-US" sz="2400" dirty="0" smtClean="0">
-                <a:solidFill>
-                  <a:srgbClr val="FF0000"/>
-                </a:solidFill>
-              </a:rPr>
-              <a:t/>
-            </a:r>
-            <a:br>
-              <a:rPr lang="en-US" sz="2400" dirty="0" smtClean="0">
-                <a:solidFill>
-                  <a:srgbClr val="FF0000"/>
-                </a:solidFill>
-              </a:rPr>
-            </a:br>
-            <a:r>
-              <a:rPr lang="en-US" sz="2400" dirty="0" err="1" smtClean="0">
-                <a:solidFill>
-                  <a:srgbClr val="FF0000"/>
-                </a:solidFill>
-              </a:rPr>
-              <a:t>mysql</a:t>
-            </a:r>
-            <a:r>
-              <a:rPr lang="en-US" sz="2400" dirty="0" smtClean="0">
-                <a:solidFill>
-                  <a:srgbClr val="FF0000"/>
-                </a:solidFill>
-              </a:rPr>
-              <a:t>&gt;</a:t>
-            </a:r>
-            <a:r>
-              <a:rPr lang="en-US" sz="2400" dirty="0"/>
-              <a:t>GRANT FILE ON *.* TO </a:t>
-            </a:r>
-            <a:r>
-              <a:rPr lang="en-US" sz="2400" dirty="0" err="1"/>
-              <a:t>mailwatch@localhost</a:t>
-            </a:r>
-            <a:r>
-              <a:rPr lang="en-US" sz="2400" dirty="0"/>
-              <a:t> IDENTIFIED BY '</a:t>
-            </a:r>
-            <a:r>
-              <a:rPr lang="en-US" sz="2400" dirty="0" err="1"/>
-              <a:t>afnog</a:t>
-            </a:r>
-            <a:r>
-              <a:rPr lang="en-US" sz="2400" dirty="0"/>
-              <a:t>';</a:t>
-            </a:r>
-          </a:p>
-          <a:p>
-            <a:pPr marL="0" indent="0">
-              <a:buNone/>
-            </a:pPr>
-            <a:r>
-              <a:rPr lang="en-US" sz="2400" i="1" dirty="0" smtClean="0"/>
-              <a:t>(All on one line)</a:t>
-            </a:r>
-          </a:p>
-          <a:p>
-            <a:pPr marL="0" indent="0">
-              <a:buNone/>
-            </a:pPr>
-            <a:endParaRPr lang="en-US" sz="2400" dirty="0" smtClean="0"/>
-          </a:p>
-          <a:p>
-            <a:pPr marL="0" indent="0">
-              <a:buNone/>
-            </a:pPr>
-            <a:r>
-              <a:rPr lang="en-US" sz="2400" dirty="0" err="1">
-                <a:solidFill>
-                  <a:srgbClr val="FF0000"/>
-                </a:solidFill>
-              </a:rPr>
-              <a:t>mysql</a:t>
-            </a:r>
-            <a:r>
-              <a:rPr lang="en-US" sz="2400" b="1" dirty="0">
-                <a:solidFill>
-                  <a:srgbClr val="FF0000"/>
-                </a:solidFill>
-              </a:rPr>
-              <a:t>&gt;</a:t>
-            </a:r>
-            <a:r>
-              <a:rPr lang="en-US" sz="2400" dirty="0">
-                <a:solidFill>
-                  <a:srgbClr val="FF0000"/>
-                </a:solidFill>
-              </a:rPr>
-              <a:t> </a:t>
-            </a:r>
-            <a:r>
-              <a:rPr lang="en-US" sz="2400" dirty="0"/>
-              <a:t>FLUSH </a:t>
-            </a:r>
-            <a:r>
-              <a:rPr lang="en-US" sz="2400" b="1" dirty="0"/>
-              <a:t>PRIVILEGES</a:t>
-            </a:r>
-            <a:r>
-              <a:rPr lang="en-US" sz="2400" dirty="0" smtClean="0"/>
-              <a:t>;</a:t>
-            </a:r>
-          </a:p>
-          <a:p>
-            <a:pPr marL="0" indent="0">
-              <a:buNone/>
-            </a:pPr>
-            <a:r>
-              <a:rPr lang="en-US" sz="2400" dirty="0" err="1" smtClean="0">
-                <a:solidFill>
-                  <a:srgbClr val="FF0000"/>
-                </a:solidFill>
-              </a:rPr>
-              <a:t>mysql</a:t>
-            </a:r>
-            <a:r>
-              <a:rPr lang="en-US" sz="2400" b="1" dirty="0" smtClean="0">
-                <a:solidFill>
-                  <a:srgbClr val="FF0000"/>
-                </a:solidFill>
-              </a:rPr>
-              <a:t>&gt;</a:t>
-            </a:r>
-            <a:r>
-              <a:rPr lang="en-US" sz="2400" dirty="0" smtClean="0">
-                <a:solidFill>
-                  <a:srgbClr val="FF0000"/>
-                </a:solidFill>
-              </a:rPr>
-              <a:t> </a:t>
-            </a:r>
-            <a:r>
-              <a:rPr lang="en-US" sz="2400" dirty="0" smtClean="0"/>
-              <a:t>exit</a:t>
-            </a:r>
-          </a:p>
-          <a:p>
-            <a:pPr marL="0" indent="0">
-              <a:buNone/>
-            </a:pPr>
-            <a:endParaRPr lang="en-US" sz="2400" dirty="0"/>
-          </a:p>
-        </p:txBody>
-      </p:sp>
-    </p:spTree>
-    <p:extLst>
-      <p:ext uri="{BB962C8B-B14F-4D97-AF65-F5344CB8AC3E}">
-        <p14:creationId xmlns:p14="http://schemas.microsoft.com/office/powerpoint/2010/main" val="591274930"/>
-      </p:ext>
-    </p:extLst>
-  </p:cSld>
-  <p:clrMapOvr>
-    <a:masterClrMapping/>
-  </p:clrMapOvr>
-</p:sld>
-</file>
-
-<file path=ppt/slides/slide15.xml><?xml version="1.0" encoding="utf-8"?>
-<p:sld xmlns:a="http://schemas.openxmlformats.org/drawingml/2006/main" xmlns:r="http://schemas.openxmlformats.org/officeDocument/2006/relationships" xmlns:p="http://schemas.openxmlformats.org/presentationml/2006/main">
-  <p:cSld>
-    <p:spTree>
-      <p:nvGrpSpPr>
-        <p:cNvPr id="1" name=""/>
-        <p:cNvGrpSpPr/>
-        <p:nvPr/>
-      </p:nvGrpSpPr>
-      <p:grpSpPr>
-        <a:xfrm>
-          <a:off x="0" y="0"/>
-          <a:ext cx="0" cy="0"/>
-          <a:chOff x="0" y="0"/>
-          <a:chExt cx="0" cy="0"/>
-        </a:xfrm>
-      </p:grpSpPr>
-      <p:sp>
-        <p:nvSpPr>
-          <p:cNvPr id="2" name="Title 1"/>
-          <p:cNvSpPr>
-            <a:spLocks noGrp="1"/>
-          </p:cNvSpPr>
-          <p:nvPr>
-            <p:ph type="title"/>
-          </p:nvPr>
-        </p:nvSpPr>
-        <p:spPr/>
-        <p:txBody>
-          <a:bodyPr/>
-          <a:lstStyle/>
-          <a:p>
-            <a:endParaRPr lang="en-US"/>
-          </a:p>
-        </p:txBody>
-      </p:sp>
-      <p:sp>
-        <p:nvSpPr>
-          <p:cNvPr id="3" name="Content Placeholder 2"/>
-          <p:cNvSpPr>
-            <a:spLocks noGrp="1"/>
-          </p:cNvSpPr>
-          <p:nvPr>
-            <p:ph idx="1"/>
-          </p:nvPr>
-        </p:nvSpPr>
-        <p:spPr/>
-        <p:txBody>
-          <a:bodyPr/>
-          <a:lstStyle/>
-          <a:p>
-            <a:pPr marL="0" indent="0">
-              <a:buNone/>
-            </a:pPr>
-            <a:r>
-              <a:rPr lang="en-US" dirty="0" smtClean="0"/>
-              <a:t>$</a:t>
-            </a:r>
-            <a:r>
-              <a:rPr lang="en-US" dirty="0" err="1" smtClean="0"/>
-              <a:t>mysql</a:t>
-            </a:r>
-            <a:r>
-              <a:rPr lang="en-US" dirty="0" smtClean="0"/>
-              <a:t> </a:t>
-            </a:r>
-            <a:r>
-              <a:rPr lang="en-US" dirty="0" err="1"/>
-              <a:t>mailscanner</a:t>
-            </a:r>
-            <a:r>
-              <a:rPr lang="en-US" dirty="0"/>
-              <a:t> -u </a:t>
-            </a:r>
-            <a:r>
-              <a:rPr lang="en-US" dirty="0" err="1"/>
-              <a:t>mailwatch</a:t>
-            </a:r>
-            <a:r>
-              <a:rPr lang="en-US" dirty="0"/>
-              <a:t> </a:t>
-            </a:r>
-            <a:r>
-              <a:rPr lang="en-US" dirty="0" smtClean="0"/>
-              <a:t>–p</a:t>
-            </a:r>
-          </a:p>
-          <a:p>
-            <a:pPr marL="0" indent="0">
-              <a:buNone/>
-            </a:pPr>
-            <a:r>
-              <a:rPr lang="en-US" i="1" dirty="0" smtClean="0"/>
-              <a:t>password is </a:t>
-            </a:r>
-            <a:r>
-              <a:rPr lang="en-US" i="1" dirty="0" err="1" smtClean="0"/>
-              <a:t>afnog</a:t>
-            </a:r>
-            <a:endParaRPr lang="en-US" i="1" dirty="0" smtClean="0"/>
-          </a:p>
-          <a:p>
-            <a:pPr marL="0" indent="0">
-              <a:buNone/>
-            </a:pPr>
-            <a:endParaRPr lang="en-US" i="1" dirty="0"/>
-          </a:p>
-          <a:p>
-            <a:pPr marL="0" indent="0">
-              <a:buNone/>
-            </a:pPr>
-            <a:r>
-              <a:rPr lang="en-US" b="1" dirty="0"/>
-              <a:t>INSERT</a:t>
-            </a:r>
-            <a:r>
-              <a:rPr lang="en-US" dirty="0"/>
-              <a:t> </a:t>
-            </a:r>
-            <a:r>
-              <a:rPr lang="en-US" b="1" dirty="0"/>
-              <a:t>INTO</a:t>
-            </a:r>
-            <a:r>
-              <a:rPr lang="en-US" dirty="0"/>
-              <a:t> users </a:t>
-            </a:r>
-            <a:r>
-              <a:rPr lang="en-US" b="1" dirty="0"/>
-              <a:t>SET</a:t>
-            </a:r>
-            <a:r>
-              <a:rPr lang="en-US" dirty="0"/>
-              <a:t> username </a:t>
-            </a:r>
-            <a:r>
-              <a:rPr lang="en-US" b="1" dirty="0"/>
-              <a:t>=</a:t>
-            </a:r>
-            <a:r>
-              <a:rPr lang="en-US" dirty="0"/>
-              <a:t> ‘</a:t>
-            </a:r>
-            <a:r>
-              <a:rPr lang="en-US" dirty="0" err="1"/>
-              <a:t>mailwatch</a:t>
-            </a:r>
-            <a:r>
-              <a:rPr lang="en-US" dirty="0"/>
-              <a:t>’, password </a:t>
-            </a:r>
-            <a:r>
-              <a:rPr lang="en-US" b="1" dirty="0"/>
-              <a:t>=</a:t>
-            </a:r>
-            <a:r>
-              <a:rPr lang="en-US" dirty="0"/>
-              <a:t> MD5(‘</a:t>
-            </a:r>
-            <a:r>
-              <a:rPr lang="en-US" dirty="0" err="1"/>
-              <a:t>afnog</a:t>
-            </a:r>
-            <a:r>
-              <a:rPr lang="en-US" dirty="0"/>
-              <a:t>’), </a:t>
-            </a:r>
-            <a:r>
-              <a:rPr lang="en-US" dirty="0" err="1"/>
-              <a:t>fullname</a:t>
-            </a:r>
-            <a:r>
-              <a:rPr lang="en-US" dirty="0"/>
-              <a:t> </a:t>
-            </a:r>
-            <a:r>
-              <a:rPr lang="en-US" b="1" dirty="0"/>
-              <a:t>=</a:t>
-            </a:r>
-            <a:r>
-              <a:rPr lang="en-US" dirty="0"/>
-              <a:t> ’</a:t>
-            </a:r>
-            <a:r>
-              <a:rPr lang="en-US" dirty="0" err="1"/>
-              <a:t>mailadmin</a:t>
-            </a:r>
-            <a:r>
-              <a:rPr lang="en-US" dirty="0"/>
-              <a:t>’, </a:t>
-            </a:r>
-            <a:r>
-              <a:rPr lang="en-US" b="1" dirty="0"/>
-              <a:t>type</a:t>
-            </a:r>
-            <a:r>
-              <a:rPr lang="en-US" dirty="0"/>
-              <a:t> </a:t>
-            </a:r>
-            <a:r>
-              <a:rPr lang="en-US" b="1" dirty="0"/>
-              <a:t>=</a:t>
-            </a:r>
-            <a:r>
-              <a:rPr lang="en-US" dirty="0"/>
-              <a:t> ‘A’;</a:t>
-            </a:r>
-          </a:p>
-          <a:p>
-            <a:pPr marL="0" indent="0">
-              <a:buNone/>
-            </a:pPr>
-            <a:endParaRPr lang="en-US" i="1" dirty="0" smtClean="0"/>
-          </a:p>
-          <a:p>
-            <a:pPr marL="0" indent="0">
-              <a:buNone/>
-            </a:pPr>
-            <a:endParaRPr lang="en-US" dirty="0"/>
-          </a:p>
-        </p:txBody>
-      </p:sp>
-    </p:spTree>
-    <p:extLst>
-      <p:ext uri="{BB962C8B-B14F-4D97-AF65-F5344CB8AC3E}">
-        <p14:creationId xmlns:p14="http://schemas.microsoft.com/office/powerpoint/2010/main" val="1749963888"/>
-      </p:ext>
-    </p:extLst>
-  </p:cSld>
-  <p:clrMapOvr>
-    <a:masterClrMapping/>
-  </p:clrMapOvr>
-</p:sld>
-</file>
-
 <file path=ppt/slides/slide2.xml><?xml version="1.0" encoding="utf-8"?>
 <p:sld xmlns:a="http://schemas.openxmlformats.org/drawingml/2006/main" xmlns:r="http://schemas.openxmlformats.org/officeDocument/2006/relationships" xmlns:p="http://schemas.openxmlformats.org/presentationml/2006/main">
   <p:cSld>
@@ -4259,7 +3534,11 @@
           <a:bodyPr/>
           <a:lstStyle/>
           <a:p>
-            <a:endParaRPr lang="en-US"/>
+            <a:r>
+              <a:rPr lang="en-US" b="1" dirty="0" smtClean="0"/>
+              <a:t>After you run</a:t>
+            </a:r>
+            <a:endParaRPr lang="en-US" b="1" dirty="0"/>
           </a:p>
         </p:txBody>
       </p:sp>
@@ -4353,6 +3632,34 @@
           </a:prstGeom>
         </p:spPr>
       </p:pic>
+      <p:sp>
+        <p:nvSpPr>
+          <p:cNvPr id="7" name="Title 1"/>
+          <p:cNvSpPr>
+            <a:spLocks noGrp="1"/>
+          </p:cNvSpPr>
+          <p:nvPr>
+            <p:ph type="title"/>
+          </p:nvPr>
+        </p:nvSpPr>
+        <p:spPr>
+          <a:xfrm>
+            <a:off x="457200" y="274638"/>
+            <a:ext cx="8229600" cy="1143000"/>
+          </a:xfrm>
+        </p:spPr>
+        <p:txBody>
+          <a:bodyPr/>
+          <a:lstStyle/>
+          <a:p>
+            <a:r>
+              <a:rPr lang="en-US" b="1" dirty="0" smtClean="0"/>
+              <a:t>Install Postfix</a:t>
+            </a:r>
+            <a:endParaRPr lang="en-US" b="1" dirty="0"/>
+          </a:p>
+        </p:txBody>
+      </p:sp>
     </p:spTree>
     <p:extLst>
       <p:ext uri="{BB962C8B-B14F-4D97-AF65-F5344CB8AC3E}">
@@ -4398,7 +3705,15 @@
           <a:bodyPr/>
           <a:lstStyle/>
           <a:p>
-            <a:endParaRPr lang="en-US"/>
+            <a:r>
+              <a:rPr lang="en-US" b="1" dirty="0" smtClean="0"/>
+              <a:t>Select yes for </a:t>
+            </a:r>
+            <a:r>
+              <a:rPr lang="en-US" b="1" dirty="0" err="1" smtClean="0"/>
+              <a:t>Spamassassin</a:t>
+            </a:r>
+            <a:endParaRPr lang="en-US" b="1" dirty="0"/>
           </a:p>
         </p:txBody>
       </p:sp>
@@ -4477,7 +3792,11 @@
           <a:bodyPr/>
           <a:lstStyle/>
           <a:p>
-            <a:endParaRPr lang="en-US"/>
+            <a:r>
+              <a:rPr lang="en-US" b="1" dirty="0" smtClean="0"/>
+              <a:t>Install Clam-AV</a:t>
+            </a:r>
+            <a:endParaRPr lang="en-US" b="1" dirty="0"/>
           </a:p>
         </p:txBody>
       </p:sp>
@@ -4556,7 +3875,11 @@
           <a:bodyPr/>
           <a:lstStyle/>
           <a:p>
-            <a:endParaRPr lang="en-US" dirty="0"/>
+            <a:r>
+              <a:rPr lang="en-US" b="1" dirty="0" smtClean="0"/>
+              <a:t>Install Perl Modules </a:t>
+            </a:r>
+            <a:endParaRPr lang="en-US" b="1" dirty="0"/>
           </a:p>
         </p:txBody>
       </p:sp>
@@ -4635,7 +3958,17 @@
           <a:bodyPr/>
           <a:lstStyle/>
           <a:p>
-            <a:endParaRPr lang="en-US"/>
+            <a:r>
+              <a:rPr lang="en-US" b="1" dirty="0" smtClean="0"/>
+              <a:t>Follow the advice </a:t>
+            </a:r>
+            <a:r>
+              <a:rPr lang="en-US" b="1" dirty="0" smtClean="0">
+                <a:sym typeface="Wingdings"/>
+              </a:rPr>
+              <a:t> </a:t>
+            </a:r>
+            <a:endParaRPr lang="en-US" b="1" dirty="0"/>
           </a:p>
         </p:txBody>
       </p:sp>
@@ -4711,10 +4044,16 @@
         </p:nvSpPr>
         <p:spPr/>
         <p:txBody>
-          <a:bodyPr/>
-          <a:lstStyle/>
-          <a:p>
-            <a:endParaRPr lang="en-US"/>
+          <a:bodyPr>
+            <a:normAutofit fontScale="90000"/>
+          </a:bodyPr>
+          <a:lstStyle/>
+          <a:p>
+            <a:r>
+              <a:rPr lang="en-US" b="1" dirty="0" smtClean="0"/>
+              <a:t>Postfix Screen: Read then press enter</a:t>
+            </a:r>
+            <a:endParaRPr lang="en-US" b="1" dirty="0"/>
           </a:p>
         </p:txBody>
       </p:sp>
@@ -4740,7 +4079,7 @@
         </p:blipFill>
         <p:spPr>
           <a:xfrm>
-            <a:off x="495300" y="876300"/>
+            <a:off x="457200" y="1650060"/>
             <a:ext cx="8140700" cy="5092700"/>
           </a:xfrm>
           <a:prstGeom prst="rect">
@@ -4793,7 +4132,11 @@
           <a:bodyPr/>
           <a:lstStyle/>
           <a:p>
-            <a:endParaRPr lang="en-US"/>
+            <a:r>
+              <a:rPr lang="en-US" b="1" dirty="0" smtClean="0"/>
+              <a:t>Select Internet Site</a:t>
+            </a:r>
+            <a:endParaRPr lang="en-US" b="1" dirty="0"/>
           </a:p>
         </p:txBody>
       </p:sp>

--- a/sse/postfix/mailfilter-pt2.pptx
+++ b/sse/postfix/mailfilter-pt2.pptx
@@ -299,7 +299,7 @@
           <a:p>
             <a:fld id="{03950108-52B0-2342-B9DD-68BFB658BDA7}" type="datetimeFigureOut">
               <a:rPr lang="en-US" smtClean="0"/>
-              <a:t>5/27/15</a:t>
+              <a:t>5/28/15</a:t>
             </a:fld>
             <a:endParaRPr lang="en-US"/>
           </a:p>
@@ -469,7 +469,7 @@
           <a:p>
             <a:fld id="{03950108-52B0-2342-B9DD-68BFB658BDA7}" type="datetimeFigureOut">
               <a:rPr lang="en-US" smtClean="0"/>
-              <a:t>5/27/15</a:t>
+              <a:t>5/28/15</a:t>
             </a:fld>
             <a:endParaRPr lang="en-US"/>
           </a:p>
@@ -649,7 +649,7 @@
           <a:p>
             <a:fld id="{03950108-52B0-2342-B9DD-68BFB658BDA7}" type="datetimeFigureOut">
               <a:rPr lang="en-US" smtClean="0"/>
-              <a:t>5/27/15</a:t>
+              <a:t>5/28/15</a:t>
             </a:fld>
             <a:endParaRPr lang="en-US"/>
           </a:p>
@@ -819,7 +819,7 @@
           <a:p>
             <a:fld id="{03950108-52B0-2342-B9DD-68BFB658BDA7}" type="datetimeFigureOut">
               <a:rPr lang="en-US" smtClean="0"/>
-              <a:t>5/27/15</a:t>
+              <a:t>5/28/15</a:t>
             </a:fld>
             <a:endParaRPr lang="en-US"/>
           </a:p>
@@ -1065,7 +1065,7 @@
           <a:p>
             <a:fld id="{03950108-52B0-2342-B9DD-68BFB658BDA7}" type="datetimeFigureOut">
               <a:rPr lang="en-US" smtClean="0"/>
-              <a:t>5/27/15</a:t>
+              <a:t>5/28/15</a:t>
             </a:fld>
             <a:endParaRPr lang="en-US"/>
           </a:p>
@@ -1353,7 +1353,7 @@
           <a:p>
             <a:fld id="{03950108-52B0-2342-B9DD-68BFB658BDA7}" type="datetimeFigureOut">
               <a:rPr lang="en-US" smtClean="0"/>
-              <a:t>5/27/15</a:t>
+              <a:t>5/28/15</a:t>
             </a:fld>
             <a:endParaRPr lang="en-US"/>
           </a:p>
@@ -1775,7 +1775,7 @@
           <a:p>
             <a:fld id="{03950108-52B0-2342-B9DD-68BFB658BDA7}" type="datetimeFigureOut">
               <a:rPr lang="en-US" smtClean="0"/>
-              <a:t>5/27/15</a:t>
+              <a:t>5/28/15</a:t>
             </a:fld>
             <a:endParaRPr lang="en-US"/>
           </a:p>
@@ -1893,7 +1893,7 @@
           <a:p>
             <a:fld id="{03950108-52B0-2342-B9DD-68BFB658BDA7}" type="datetimeFigureOut">
               <a:rPr lang="en-US" smtClean="0"/>
-              <a:t>5/27/15</a:t>
+              <a:t>5/28/15</a:t>
             </a:fld>
             <a:endParaRPr lang="en-US"/>
           </a:p>
@@ -1988,7 +1988,7 @@
           <a:p>
             <a:fld id="{03950108-52B0-2342-B9DD-68BFB658BDA7}" type="datetimeFigureOut">
               <a:rPr lang="en-US" smtClean="0"/>
-              <a:t>5/27/15</a:t>
+              <a:t>5/28/15</a:t>
             </a:fld>
             <a:endParaRPr lang="en-US"/>
           </a:p>
@@ -2265,7 +2265,7 @@
           <a:p>
             <a:fld id="{03950108-52B0-2342-B9DD-68BFB658BDA7}" type="datetimeFigureOut">
               <a:rPr lang="en-US" smtClean="0"/>
-              <a:t>5/27/15</a:t>
+              <a:t>5/28/15</a:t>
             </a:fld>
             <a:endParaRPr lang="en-US"/>
           </a:p>
@@ -2518,7 +2518,7 @@
           <a:p>
             <a:fld id="{03950108-52B0-2342-B9DD-68BFB658BDA7}" type="datetimeFigureOut">
               <a:rPr lang="en-US" smtClean="0"/>
-              <a:t>5/27/15</a:t>
+              <a:t>5/28/15</a:t>
             </a:fld>
             <a:endParaRPr lang="en-US"/>
           </a:p>
@@ -2731,7 +2731,7 @@
           <a:p>
             <a:fld id="{03950108-52B0-2342-B9DD-68BFB658BDA7}" type="datetimeFigureOut">
               <a:rPr lang="en-US" smtClean="0"/>
-              <a:t>5/27/15</a:t>
+              <a:t>5/28/15</a:t>
             </a:fld>
             <a:endParaRPr lang="en-US"/>
           </a:p>
@@ -3122,35 +3122,35 @@
           <a:lstStyle/>
           <a:p>
             <a:r>
-              <a:rPr lang="en-US" b="1" dirty="0" err="1" smtClean="0"/>
+              <a:rPr lang="en-US" b="1" dirty="0" smtClean="0"/>
+              <a:t>Mail Gateway – Part 2</a:t>
+            </a:r>
+            <a:endParaRPr lang="en-US" b="1" dirty="0"/>
+          </a:p>
+        </p:txBody>
+      </p:sp>
+      <p:sp>
+        <p:nvSpPr>
+          <p:cNvPr id="3" name="Subtitle 2"/>
+          <p:cNvSpPr>
+            <a:spLocks noGrp="1"/>
+          </p:cNvSpPr>
+          <p:nvPr>
+            <p:ph type="subTitle" idx="1"/>
+          </p:nvPr>
+        </p:nvSpPr>
+        <p:spPr/>
+        <p:txBody>
+          <a:bodyPr/>
+          <a:lstStyle/>
+          <a:p>
+            <a:r>
+              <a:rPr lang="en-US" b="1" dirty="0" err="1"/>
               <a:t>MailScanner</a:t>
             </a:r>
             <a:r>
-              <a:rPr lang="en-US" b="1" dirty="0" smtClean="0"/>
+              <a:rPr lang="en-US" b="1" dirty="0"/>
               <a:t> Installation</a:t>
-            </a:r>
-            <a:endParaRPr lang="en-US" b="1" dirty="0"/>
-          </a:p>
-        </p:txBody>
-      </p:sp>
-      <p:sp>
-        <p:nvSpPr>
-          <p:cNvPr id="3" name="Subtitle 2"/>
-          <p:cNvSpPr>
-            <a:spLocks noGrp="1"/>
-          </p:cNvSpPr>
-          <p:nvPr>
-            <p:ph type="subTitle" idx="1"/>
-          </p:nvPr>
-        </p:nvSpPr>
-        <p:spPr/>
-        <p:txBody>
-          <a:bodyPr/>
-          <a:lstStyle/>
-          <a:p>
-            <a:r>
-              <a:rPr lang="en-US" b="1" dirty="0" smtClean="0"/>
-              <a:t>Part 2</a:t>
             </a:r>
             <a:endParaRPr lang="en-US" b="1" dirty="0"/>
           </a:p>
@@ -3536,7 +3536,15 @@
           <a:p>
             <a:r>
               <a:rPr lang="en-US" b="1" dirty="0" smtClean="0"/>
-              <a:t>After you run</a:t>
+              <a:t>After you </a:t>
+            </a:r>
+            <a:r>
+              <a:rPr lang="en-US" b="1" dirty="0" smtClean="0"/>
+              <a:t>run ./</a:t>
+            </a:r>
+            <a:r>
+              <a:rPr lang="en-US" b="1" dirty="0" err="1" smtClean="0"/>
+              <a:t>install.sh</a:t>
             </a:r>
             <a:endParaRPr lang="en-US" b="1" dirty="0"/>
           </a:p>

--- a/sse/postfix/mailfilter-pt2.pptx
+++ b/sse/postfix/mailfilter-pt2.pptx
@@ -3152,7 +3152,6 @@
               <a:rPr lang="en-US" b="1" dirty="0"/>
               <a:t> Installation</a:t>
             </a:r>
-            <a:endParaRPr lang="en-US" b="1" dirty="0"/>
           </a:p>
         </p:txBody>
       </p:sp>
@@ -3202,8 +3201,16 @@
           <a:lstStyle/>
           <a:p>
             <a:r>
+              <a:rPr lang="en-US" b="1" smtClean="0"/>
+              <a:t>Enter </a:t>
+            </a:r>
+            <a:r>
+              <a:rPr lang="en-US" b="1" smtClean="0"/>
+              <a:t>your </a:t>
+            </a:r>
+            <a:r>
               <a:rPr lang="en-US" b="1" dirty="0" smtClean="0"/>
-              <a:t>Enter your PC Name</a:t>
+              <a:t>Name</a:t>
             </a:r>
             <a:endParaRPr lang="en-US" b="1" dirty="0"/>
           </a:p>
@@ -3239,6 +3246,107 @@
           </a:prstGeom>
         </p:spPr>
       </p:pic>
+      <p:sp>
+        <p:nvSpPr>
+          <p:cNvPr id="3" name="TextBox 2"/>
+          <p:cNvSpPr txBox="1"/>
+          <p:nvPr/>
+        </p:nvSpPr>
+        <p:spPr>
+          <a:xfrm>
+            <a:off x="2938212" y="1933700"/>
+            <a:ext cx="184666" cy="369332"/>
+          </a:xfrm>
+          <a:prstGeom prst="rect">
+            <a:avLst/>
+          </a:prstGeom>
+          <a:noFill/>
+        </p:spPr>
+        <p:txBody>
+          <a:bodyPr wrap="none" rtlCol="0">
+            <a:spAutoFit/>
+          </a:bodyPr>
+          <a:lstStyle/>
+          <a:p>
+            <a:endParaRPr lang="en-US"/>
+          </a:p>
+        </p:txBody>
+      </p:sp>
+      <p:sp>
+        <p:nvSpPr>
+          <p:cNvPr id="5" name="TextBox 4"/>
+          <p:cNvSpPr txBox="1"/>
+          <p:nvPr/>
+        </p:nvSpPr>
+        <p:spPr>
+          <a:xfrm>
+            <a:off x="2108179" y="1904674"/>
+            <a:ext cx="4693057" cy="584776"/>
+          </a:xfrm>
+          <a:prstGeom prst="rect">
+            <a:avLst/>
+          </a:prstGeom>
+          <a:noFill/>
+        </p:spPr>
+        <p:txBody>
+          <a:bodyPr wrap="square" rtlCol="0">
+            <a:spAutoFit/>
+          </a:bodyPr>
+          <a:lstStyle/>
+          <a:p>
+            <a:r>
+              <a:rPr lang="en-US" sz="3200" b="1" dirty="0" err="1"/>
+              <a:t>y</a:t>
+            </a:r>
+            <a:r>
+              <a:rPr lang="en-US" sz="3200" b="1" dirty="0" err="1" smtClean="0"/>
+              <a:t>ourname.afnog.guru</a:t>
+            </a:r>
+            <a:endParaRPr lang="en-US" sz="3200" b="1" dirty="0"/>
+          </a:p>
+        </p:txBody>
+      </p:sp>
+      <p:sp>
+        <p:nvSpPr>
+          <p:cNvPr id="6" name="Rectangle 5"/>
+          <p:cNvSpPr/>
+          <p:nvPr/>
+        </p:nvSpPr>
+        <p:spPr>
+          <a:xfrm>
+            <a:off x="853029" y="5270281"/>
+            <a:ext cx="3260468" cy="436030"/>
+          </a:xfrm>
+          <a:prstGeom prst="rect">
+            <a:avLst/>
+          </a:prstGeom>
+        </p:spPr>
+        <p:style>
+          <a:lnRef idx="1">
+            <a:schemeClr val="accent1"/>
+          </a:lnRef>
+          <a:fillRef idx="3">
+            <a:schemeClr val="accent1"/>
+          </a:fillRef>
+          <a:effectRef idx="2">
+            <a:schemeClr val="accent1"/>
+          </a:effectRef>
+          <a:fontRef idx="minor">
+            <a:schemeClr val="lt1"/>
+          </a:fontRef>
+        </p:style>
+        <p:txBody>
+          <a:bodyPr rtlCol="0" anchor="ctr"/>
+          <a:lstStyle/>
+          <a:p>
+            <a:r>
+              <a:rPr lang="en-US" sz="2000" b="1" dirty="0" err="1"/>
+              <a:t>yourname.afnog.guru</a:t>
+            </a:r>
+            <a:endParaRPr lang="en-US" sz="2000" b="1" dirty="0"/>
+          </a:p>
+        </p:txBody>
+      </p:sp>
     </p:spTree>
     <p:extLst>
       <p:ext uri="{BB962C8B-B14F-4D97-AF65-F5344CB8AC3E}">
@@ -3536,11 +3644,7 @@
           <a:p>
             <a:r>
               <a:rPr lang="en-US" b="1" dirty="0" smtClean="0"/>
-              <a:t>After you </a:t>
-            </a:r>
-            <a:r>
-              <a:rPr lang="en-US" b="1" dirty="0" smtClean="0"/>
-              <a:t>run ./</a:t>
+              <a:t>After you run ./</a:t>
             </a:r>
             <a:r>
               <a:rPr lang="en-US" b="1" dirty="0" err="1" smtClean="0"/>
